--- a/PPT lenguaje de programacion.pptx
+++ b/PPT lenguaje de programacion.pptx
@@ -5,7 +5,7 @@
     <p:sldMasterId id="2147483678" r:id="rId1"/>
   </p:sldMasterIdLst>
   <p:notesMasterIdLst>
-    <p:notesMasterId r:id="rId11"/>
+    <p:notesMasterId r:id="rId14"/>
   </p:notesMasterIdLst>
   <p:sldIdLst>
     <p:sldId id="256" r:id="rId2"/>
@@ -16,7 +16,10 @@
     <p:sldId id="269" r:id="rId7"/>
     <p:sldId id="270" r:id="rId8"/>
     <p:sldId id="271" r:id="rId9"/>
-    <p:sldId id="272" r:id="rId10"/>
+    <p:sldId id="273" r:id="rId10"/>
+    <p:sldId id="274" r:id="rId11"/>
+    <p:sldId id="275" r:id="rId12"/>
+    <p:sldId id="272" r:id="rId13"/>
   </p:sldIdLst>
   <p:sldSz cx="12192000" cy="6858000"/>
   <p:notesSz cx="6858000" cy="9144000"/>
@@ -538,7 +541,7 @@
           <a:p>
             <a:fld id="{ACD350FC-366F-4BB1-A1F9-0BB92DC4AED2}" type="slidenum">
               <a:rPr lang="es-PE" smtClean="0"/>
-              <a:t>9</a:t>
+              <a:t>12</a:t>
             </a:fld>
             <a:endParaRPr lang="es-PE"/>
           </a:p>
@@ -4248,6 +4251,657 @@
 </p:sld>
 </file>
 
+<file path=ppt/slides/slide10.xml><?xml version="1.0" encoding="utf-8"?>
+<p:sld xmlns:a="http://schemas.openxmlformats.org/drawingml/2006/main" xmlns:r="http://schemas.openxmlformats.org/officeDocument/2006/relationships" xmlns:p="http://schemas.openxmlformats.org/presentationml/2006/main">
+  <p:cSld>
+    <p:spTree>
+      <p:nvGrpSpPr>
+        <p:cNvPr id="1" name=""/>
+        <p:cNvGrpSpPr/>
+        <p:nvPr/>
+      </p:nvGrpSpPr>
+      <p:grpSpPr>
+        <a:xfrm>
+          <a:off x="0" y="0"/>
+          <a:ext cx="0" cy="0"/>
+          <a:chOff x="0" y="0"/>
+          <a:chExt cx="0" cy="0"/>
+        </a:xfrm>
+      </p:grpSpPr>
+      <p:pic>
+        <p:nvPicPr>
+          <p:cNvPr id="13" name="Imagen 12">
+            <a:extLst>
+              <a:ext uri="{FF2B5EF4-FFF2-40B4-BE49-F238E27FC236}">
+                <a16:creationId xmlns:a16="http://schemas.microsoft.com/office/drawing/2014/main" id="{6033943E-6B5F-9B92-4F9D-844EED70CC3C}"/>
+              </a:ext>
+            </a:extLst>
+          </p:cNvPr>
+          <p:cNvPicPr>
+            <a:picLocks noChangeAspect="1"/>
+          </p:cNvPicPr>
+          <p:nvPr/>
+        </p:nvPicPr>
+        <p:blipFill>
+          <a:blip r:embed="rId2">
+            <a:extLst>
+              <a:ext uri="{28A0092B-C50C-407E-A947-70E740481C1C}">
+                <a14:useLocalDpi xmlns:a14="http://schemas.microsoft.com/office/drawing/2010/main" val="0"/>
+              </a:ext>
+            </a:extLst>
+          </a:blip>
+          <a:stretch>
+            <a:fillRect/>
+          </a:stretch>
+        </p:blipFill>
+        <p:spPr>
+          <a:xfrm>
+            <a:off x="0" y="0"/>
+            <a:ext cx="12192000" cy="6858000"/>
+          </a:xfrm>
+          <a:prstGeom prst="rect">
+            <a:avLst/>
+          </a:prstGeom>
+        </p:spPr>
+      </p:pic>
+      <p:pic>
+        <p:nvPicPr>
+          <p:cNvPr id="15" name="Imagen 14">
+            <a:extLst>
+              <a:ext uri="{FF2B5EF4-FFF2-40B4-BE49-F238E27FC236}">
+                <a16:creationId xmlns:a16="http://schemas.microsoft.com/office/drawing/2014/main" id="{CA4C6BDE-F49A-2B3C-46FB-638B75AF1DF1}"/>
+              </a:ext>
+            </a:extLst>
+          </p:cNvPr>
+          <p:cNvPicPr>
+            <a:picLocks noChangeAspect="1"/>
+          </p:cNvPicPr>
+          <p:nvPr/>
+        </p:nvPicPr>
+        <p:blipFill>
+          <a:blip r:embed="rId3">
+            <a:extLst>
+              <a:ext uri="{BEBA8EAE-BF5A-486C-A8C5-ECC9F3942E4B}">
+                <a14:imgProps xmlns:a14="http://schemas.microsoft.com/office/drawing/2010/main">
+                  <a14:imgLayer r:embed="rId4">
+                    <a14:imgEffect>
+                      <a14:backgroundRemoval t="0" b="99556" l="0" r="100000">
+                        <a14:foregroundMark x1="12000" y1="65333" x2="12000" y2="65333"/>
+                        <a14:foregroundMark x1="24000" y1="69778" x2="24000" y2="69778"/>
+                        <a14:foregroundMark x1="32889" y1="71111" x2="32889" y2="71111"/>
+                        <a14:foregroundMark x1="43111" y1="68444" x2="43111" y2="68444"/>
+                        <a14:foregroundMark x1="56000" y1="69333" x2="56000" y2="69333"/>
+                        <a14:foregroundMark x1="63556" y1="69778" x2="63556" y2="69778"/>
+                        <a14:foregroundMark x1="72000" y1="69778" x2="72000" y2="69778"/>
+                        <a14:foregroundMark x1="83556" y1="68444" x2="83556" y2="68444"/>
+                        <a14:foregroundMark x1="53333" y1="25778" x2="53333" y2="25778"/>
+                        <a14:foregroundMark x1="57333" y1="25778" x2="57333" y2="25778"/>
+                        <a14:foregroundMark x1="47111" y1="25333" x2="47111" y2="25333"/>
+                        <a14:foregroundMark x1="42222" y1="25778" x2="42222" y2="25778"/>
+                      </a14:backgroundRemoval>
+                    </a14:imgEffect>
+                  </a14:imgLayer>
+                </a14:imgProps>
+              </a:ext>
+              <a:ext uri="{28A0092B-C50C-407E-A947-70E740481C1C}">
+                <a14:useLocalDpi xmlns:a14="http://schemas.microsoft.com/office/drawing/2010/main" val="0"/>
+              </a:ext>
+            </a:extLst>
+          </a:blip>
+          <a:stretch>
+            <a:fillRect/>
+          </a:stretch>
+        </p:blipFill>
+        <p:spPr>
+          <a:xfrm>
+            <a:off x="11065972" y="-83751"/>
+            <a:ext cx="923282" cy="923282"/>
+          </a:xfrm>
+          <a:prstGeom prst="rect">
+            <a:avLst/>
+          </a:prstGeom>
+        </p:spPr>
+      </p:pic>
+      <p:pic>
+        <p:nvPicPr>
+          <p:cNvPr id="4098" name="Picture 2">
+            <a:extLst>
+              <a:ext uri="{FF2B5EF4-FFF2-40B4-BE49-F238E27FC236}">
+                <a16:creationId xmlns:a16="http://schemas.microsoft.com/office/drawing/2014/main" id="{36DB19C5-408F-77FC-788A-2266CAC5532C}"/>
+              </a:ext>
+            </a:extLst>
+          </p:cNvPr>
+          <p:cNvPicPr>
+            <a:picLocks noChangeAspect="1" noChangeArrowheads="1"/>
+          </p:cNvPicPr>
+          <p:nvPr/>
+        </p:nvPicPr>
+        <p:blipFill>
+          <a:blip r:embed="rId5">
+            <a:extLst>
+              <a:ext uri="{28A0092B-C50C-407E-A947-70E740481C1C}">
+                <a14:useLocalDpi xmlns:a14="http://schemas.microsoft.com/office/drawing/2010/main" val="0"/>
+              </a:ext>
+            </a:extLst>
+          </a:blip>
+          <a:srcRect/>
+          <a:stretch>
+            <a:fillRect/>
+          </a:stretch>
+        </p:blipFill>
+        <p:spPr bwMode="auto">
+          <a:xfrm>
+            <a:off x="202746" y="674095"/>
+            <a:ext cx="11712446" cy="6015954"/>
+          </a:xfrm>
+          <a:prstGeom prst="rect">
+            <a:avLst/>
+          </a:prstGeom>
+          <a:noFill/>
+          <a:extLst>
+            <a:ext uri="{909E8E84-426E-40DD-AFC4-6F175D3DCCD1}">
+              <a14:hiddenFill xmlns:a14="http://schemas.microsoft.com/office/drawing/2010/main">
+                <a:solidFill>
+                  <a:srgbClr val="FFFFFF"/>
+                </a:solidFill>
+              </a14:hiddenFill>
+            </a:ext>
+          </a:extLst>
+        </p:spPr>
+      </p:pic>
+    </p:spTree>
+    <p:extLst>
+      <p:ext uri="{BB962C8B-B14F-4D97-AF65-F5344CB8AC3E}">
+        <p14:creationId xmlns:p14="http://schemas.microsoft.com/office/powerpoint/2010/main" val="303040093"/>
+      </p:ext>
+    </p:extLst>
+  </p:cSld>
+  <p:clrMapOvr>
+    <a:masterClrMapping/>
+  </p:clrMapOvr>
+</p:sld>
+</file>
+
+<file path=ppt/slides/slide11.xml><?xml version="1.0" encoding="utf-8"?>
+<p:sld xmlns:a="http://schemas.openxmlformats.org/drawingml/2006/main" xmlns:r="http://schemas.openxmlformats.org/officeDocument/2006/relationships" xmlns:p="http://schemas.openxmlformats.org/presentationml/2006/main">
+  <p:cSld>
+    <p:spTree>
+      <p:nvGrpSpPr>
+        <p:cNvPr id="1" name=""/>
+        <p:cNvGrpSpPr/>
+        <p:nvPr/>
+      </p:nvGrpSpPr>
+      <p:grpSpPr>
+        <a:xfrm>
+          <a:off x="0" y="0"/>
+          <a:ext cx="0" cy="0"/>
+          <a:chOff x="0" y="0"/>
+          <a:chExt cx="0" cy="0"/>
+        </a:xfrm>
+      </p:grpSpPr>
+      <p:pic>
+        <p:nvPicPr>
+          <p:cNvPr id="13" name="Imagen 12">
+            <a:extLst>
+              <a:ext uri="{FF2B5EF4-FFF2-40B4-BE49-F238E27FC236}">
+                <a16:creationId xmlns:a16="http://schemas.microsoft.com/office/drawing/2014/main" id="{6033943E-6B5F-9B92-4F9D-844EED70CC3C}"/>
+              </a:ext>
+            </a:extLst>
+          </p:cNvPr>
+          <p:cNvPicPr>
+            <a:picLocks noChangeAspect="1"/>
+          </p:cNvPicPr>
+          <p:nvPr/>
+        </p:nvPicPr>
+        <p:blipFill>
+          <a:blip r:embed="rId2">
+            <a:extLst>
+              <a:ext uri="{28A0092B-C50C-407E-A947-70E740481C1C}">
+                <a14:useLocalDpi xmlns:a14="http://schemas.microsoft.com/office/drawing/2010/main" val="0"/>
+              </a:ext>
+            </a:extLst>
+          </a:blip>
+          <a:stretch>
+            <a:fillRect/>
+          </a:stretch>
+        </p:blipFill>
+        <p:spPr>
+          <a:xfrm>
+            <a:off x="0" y="0"/>
+            <a:ext cx="12192000" cy="6858000"/>
+          </a:xfrm>
+          <a:prstGeom prst="rect">
+            <a:avLst/>
+          </a:prstGeom>
+        </p:spPr>
+      </p:pic>
+      <p:pic>
+        <p:nvPicPr>
+          <p:cNvPr id="15" name="Imagen 14">
+            <a:extLst>
+              <a:ext uri="{FF2B5EF4-FFF2-40B4-BE49-F238E27FC236}">
+                <a16:creationId xmlns:a16="http://schemas.microsoft.com/office/drawing/2014/main" id="{CA4C6BDE-F49A-2B3C-46FB-638B75AF1DF1}"/>
+              </a:ext>
+            </a:extLst>
+          </p:cNvPr>
+          <p:cNvPicPr>
+            <a:picLocks noChangeAspect="1"/>
+          </p:cNvPicPr>
+          <p:nvPr/>
+        </p:nvPicPr>
+        <p:blipFill>
+          <a:blip r:embed="rId3">
+            <a:extLst>
+              <a:ext uri="{BEBA8EAE-BF5A-486C-A8C5-ECC9F3942E4B}">
+                <a14:imgProps xmlns:a14="http://schemas.microsoft.com/office/drawing/2010/main">
+                  <a14:imgLayer r:embed="rId4">
+                    <a14:imgEffect>
+                      <a14:backgroundRemoval t="0" b="99556" l="0" r="100000">
+                        <a14:foregroundMark x1="12000" y1="65333" x2="12000" y2="65333"/>
+                        <a14:foregroundMark x1="24000" y1="69778" x2="24000" y2="69778"/>
+                        <a14:foregroundMark x1="32889" y1="71111" x2="32889" y2="71111"/>
+                        <a14:foregroundMark x1="43111" y1="68444" x2="43111" y2="68444"/>
+                        <a14:foregroundMark x1="56000" y1="69333" x2="56000" y2="69333"/>
+                        <a14:foregroundMark x1="63556" y1="69778" x2="63556" y2="69778"/>
+                        <a14:foregroundMark x1="72000" y1="69778" x2="72000" y2="69778"/>
+                        <a14:foregroundMark x1="83556" y1="68444" x2="83556" y2="68444"/>
+                        <a14:foregroundMark x1="53333" y1="25778" x2="53333" y2="25778"/>
+                        <a14:foregroundMark x1="57333" y1="25778" x2="57333" y2="25778"/>
+                        <a14:foregroundMark x1="47111" y1="25333" x2="47111" y2="25333"/>
+                        <a14:foregroundMark x1="42222" y1="25778" x2="42222" y2="25778"/>
+                      </a14:backgroundRemoval>
+                    </a14:imgEffect>
+                  </a14:imgLayer>
+                </a14:imgProps>
+              </a:ext>
+              <a:ext uri="{28A0092B-C50C-407E-A947-70E740481C1C}">
+                <a14:useLocalDpi xmlns:a14="http://schemas.microsoft.com/office/drawing/2010/main" val="0"/>
+              </a:ext>
+            </a:extLst>
+          </a:blip>
+          <a:stretch>
+            <a:fillRect/>
+          </a:stretch>
+        </p:blipFill>
+        <p:spPr>
+          <a:xfrm>
+            <a:off x="11065972" y="-83751"/>
+            <a:ext cx="923282" cy="923282"/>
+          </a:xfrm>
+          <a:prstGeom prst="rect">
+            <a:avLst/>
+          </a:prstGeom>
+        </p:spPr>
+      </p:pic>
+      <p:pic>
+        <p:nvPicPr>
+          <p:cNvPr id="5122" name="Picture 2">
+            <a:extLst>
+              <a:ext uri="{FF2B5EF4-FFF2-40B4-BE49-F238E27FC236}">
+                <a16:creationId xmlns:a16="http://schemas.microsoft.com/office/drawing/2014/main" id="{21516C2F-852E-A73A-2A8F-7A57BEDAEB2E}"/>
+              </a:ext>
+            </a:extLst>
+          </p:cNvPr>
+          <p:cNvPicPr>
+            <a:picLocks noChangeAspect="1" noChangeArrowheads="1"/>
+          </p:cNvPicPr>
+          <p:nvPr/>
+        </p:nvPicPr>
+        <p:blipFill>
+          <a:blip r:embed="rId5">
+            <a:extLst>
+              <a:ext uri="{28A0092B-C50C-407E-A947-70E740481C1C}">
+                <a14:useLocalDpi xmlns:a14="http://schemas.microsoft.com/office/drawing/2010/main" val="0"/>
+              </a:ext>
+            </a:extLst>
+          </a:blip>
+          <a:srcRect/>
+          <a:stretch>
+            <a:fillRect/>
+          </a:stretch>
+        </p:blipFill>
+        <p:spPr bwMode="auto">
+          <a:xfrm>
+            <a:off x="202746" y="690465"/>
+            <a:ext cx="11786508" cy="5999584"/>
+          </a:xfrm>
+          <a:prstGeom prst="rect">
+            <a:avLst/>
+          </a:prstGeom>
+          <a:noFill/>
+          <a:extLst>
+            <a:ext uri="{909E8E84-426E-40DD-AFC4-6F175D3DCCD1}">
+              <a14:hiddenFill xmlns:a14="http://schemas.microsoft.com/office/drawing/2010/main">
+                <a:solidFill>
+                  <a:srgbClr val="FFFFFF"/>
+                </a:solidFill>
+              </a14:hiddenFill>
+            </a:ext>
+          </a:extLst>
+        </p:spPr>
+      </p:pic>
+    </p:spTree>
+    <p:extLst>
+      <p:ext uri="{BB962C8B-B14F-4D97-AF65-F5344CB8AC3E}">
+        <p14:creationId xmlns:p14="http://schemas.microsoft.com/office/powerpoint/2010/main" val="1168098830"/>
+      </p:ext>
+    </p:extLst>
+  </p:cSld>
+  <p:clrMapOvr>
+    <a:masterClrMapping/>
+  </p:clrMapOvr>
+</p:sld>
+</file>
+
+<file path=ppt/slides/slide12.xml><?xml version="1.0" encoding="utf-8"?>
+<p:sld xmlns:a="http://schemas.openxmlformats.org/drawingml/2006/main" xmlns:r="http://schemas.openxmlformats.org/officeDocument/2006/relationships" xmlns:p="http://schemas.openxmlformats.org/presentationml/2006/main">
+  <p:cSld>
+    <p:spTree>
+      <p:nvGrpSpPr>
+        <p:cNvPr id="1" name=""/>
+        <p:cNvGrpSpPr/>
+        <p:nvPr/>
+      </p:nvGrpSpPr>
+      <p:grpSpPr>
+        <a:xfrm>
+          <a:off x="0" y="0"/>
+          <a:ext cx="0" cy="0"/>
+          <a:chOff x="0" y="0"/>
+          <a:chExt cx="0" cy="0"/>
+        </a:xfrm>
+      </p:grpSpPr>
+      <p:pic>
+        <p:nvPicPr>
+          <p:cNvPr id="13" name="Imagen 12">
+            <a:extLst>
+              <a:ext uri="{FF2B5EF4-FFF2-40B4-BE49-F238E27FC236}">
+                <a16:creationId xmlns:a16="http://schemas.microsoft.com/office/drawing/2014/main" id="{6033943E-6B5F-9B92-4F9D-844EED70CC3C}"/>
+              </a:ext>
+            </a:extLst>
+          </p:cNvPr>
+          <p:cNvPicPr>
+            <a:picLocks noChangeAspect="1"/>
+          </p:cNvPicPr>
+          <p:nvPr/>
+        </p:nvPicPr>
+        <p:blipFill>
+          <a:blip r:embed="rId3">
+            <a:extLst>
+              <a:ext uri="{28A0092B-C50C-407E-A947-70E740481C1C}">
+                <a14:useLocalDpi xmlns:a14="http://schemas.microsoft.com/office/drawing/2010/main" val="0"/>
+              </a:ext>
+            </a:extLst>
+          </a:blip>
+          <a:stretch>
+            <a:fillRect/>
+          </a:stretch>
+        </p:blipFill>
+        <p:spPr>
+          <a:xfrm>
+            <a:off x="0" y="0"/>
+            <a:ext cx="12192000" cy="6858000"/>
+          </a:xfrm>
+          <a:prstGeom prst="rect">
+            <a:avLst/>
+          </a:prstGeom>
+        </p:spPr>
+      </p:pic>
+      <p:pic>
+        <p:nvPicPr>
+          <p:cNvPr id="15" name="Imagen 14">
+            <a:extLst>
+              <a:ext uri="{FF2B5EF4-FFF2-40B4-BE49-F238E27FC236}">
+                <a16:creationId xmlns:a16="http://schemas.microsoft.com/office/drawing/2014/main" id="{CA4C6BDE-F49A-2B3C-46FB-638B75AF1DF1}"/>
+              </a:ext>
+            </a:extLst>
+          </p:cNvPr>
+          <p:cNvPicPr>
+            <a:picLocks noChangeAspect="1"/>
+          </p:cNvPicPr>
+          <p:nvPr/>
+        </p:nvPicPr>
+        <p:blipFill>
+          <a:blip r:embed="rId4">
+            <a:extLst>
+              <a:ext uri="{BEBA8EAE-BF5A-486C-A8C5-ECC9F3942E4B}">
+                <a14:imgProps xmlns:a14="http://schemas.microsoft.com/office/drawing/2010/main">
+                  <a14:imgLayer r:embed="rId5">
+                    <a14:imgEffect>
+                      <a14:backgroundRemoval t="0" b="99556" l="0" r="100000">
+                        <a14:foregroundMark x1="12000" y1="65333" x2="12000" y2="65333"/>
+                        <a14:foregroundMark x1="24000" y1="69778" x2="24000" y2="69778"/>
+                        <a14:foregroundMark x1="32889" y1="71111" x2="32889" y2="71111"/>
+                        <a14:foregroundMark x1="43111" y1="68444" x2="43111" y2="68444"/>
+                        <a14:foregroundMark x1="56000" y1="69333" x2="56000" y2="69333"/>
+                        <a14:foregroundMark x1="63556" y1="69778" x2="63556" y2="69778"/>
+                        <a14:foregroundMark x1="72000" y1="69778" x2="72000" y2="69778"/>
+                        <a14:foregroundMark x1="83556" y1="68444" x2="83556" y2="68444"/>
+                        <a14:foregroundMark x1="53333" y1="25778" x2="53333" y2="25778"/>
+                        <a14:foregroundMark x1="57333" y1="25778" x2="57333" y2="25778"/>
+                        <a14:foregroundMark x1="47111" y1="25333" x2="47111" y2="25333"/>
+                        <a14:foregroundMark x1="42222" y1="25778" x2="42222" y2="25778"/>
+                      </a14:backgroundRemoval>
+                    </a14:imgEffect>
+                  </a14:imgLayer>
+                </a14:imgProps>
+              </a:ext>
+              <a:ext uri="{28A0092B-C50C-407E-A947-70E740481C1C}">
+                <a14:useLocalDpi xmlns:a14="http://schemas.microsoft.com/office/drawing/2010/main" val="0"/>
+              </a:ext>
+            </a:extLst>
+          </a:blip>
+          <a:stretch>
+            <a:fillRect/>
+          </a:stretch>
+        </p:blipFill>
+        <p:spPr>
+          <a:xfrm>
+            <a:off x="10668831" y="7188"/>
+            <a:ext cx="1401869" cy="1401869"/>
+          </a:xfrm>
+          <a:prstGeom prst="rect">
+            <a:avLst/>
+          </a:prstGeom>
+        </p:spPr>
+      </p:pic>
+      <p:sp>
+        <p:nvSpPr>
+          <p:cNvPr id="2" name="CuadroTexto 1">
+            <a:extLst>
+              <a:ext uri="{FF2B5EF4-FFF2-40B4-BE49-F238E27FC236}">
+                <a16:creationId xmlns:a16="http://schemas.microsoft.com/office/drawing/2014/main" id="{385F9F9D-A032-EAB6-8C90-0A68743F45C3}"/>
+              </a:ext>
+            </a:extLst>
+          </p:cNvPr>
+          <p:cNvSpPr txBox="1"/>
+          <p:nvPr/>
+        </p:nvSpPr>
+        <p:spPr>
+          <a:xfrm>
+            <a:off x="1793360" y="1501004"/>
+            <a:ext cx="8605279" cy="3855992"/>
+          </a:xfrm>
+          <a:prstGeom prst="rect">
+            <a:avLst/>
+          </a:prstGeom>
+          <a:noFill/>
+        </p:spPr>
+        <p:txBody>
+          <a:bodyPr wrap="square" rtlCol="0">
+            <a:spAutoFit/>
+          </a:bodyPr>
+          <a:lstStyle/>
+          <a:p>
+            <a:pPr algn="just">
+              <a:lnSpc>
+                <a:spcPct val="107000"/>
+              </a:lnSpc>
+              <a:spcAft>
+                <a:spcPts val="800"/>
+              </a:spcAft>
+            </a:pPr>
+            <a:r>
+              <a:rPr lang="es-PE" sz="2400" u="sng" kern="100" dirty="0">
+                <a:solidFill>
+                  <a:srgbClr val="0070C0"/>
+                </a:solidFill>
+                <a:effectLst/>
+                <a:ea typeface="Calibri" panose="020F0502020204030204" pitchFamily="34" charset="0"/>
+                <a:cs typeface="Times New Roman" panose="02020603050405020304" pitchFamily="18" charset="0"/>
+              </a:rPr>
+              <a:t>Conclusiones:</a:t>
+            </a:r>
+          </a:p>
+          <a:p>
+            <a:pPr marL="285750" indent="-285750" algn="just">
+              <a:lnSpc>
+                <a:spcPct val="107000"/>
+              </a:lnSpc>
+              <a:spcAft>
+                <a:spcPts val="800"/>
+              </a:spcAft>
+              <a:buFont typeface="Arial" panose="020B0604020202020204" pitchFamily="34" charset="0"/>
+              <a:buChar char="•"/>
+            </a:pPr>
+            <a:r>
+              <a:rPr lang="es-PE" sz="1800" kern="100" dirty="0">
+                <a:solidFill>
+                  <a:srgbClr val="0070C0"/>
+                </a:solidFill>
+                <a:effectLst/>
+                <a:ea typeface="Calibri" panose="020F0502020204030204" pitchFamily="34" charset="0"/>
+                <a:cs typeface="Times New Roman" panose="02020603050405020304" pitchFamily="18" charset="0"/>
+              </a:rPr>
+              <a:t>Proporcionar una mejor experiencia de usuario a todos los clientes.</a:t>
+            </a:r>
+          </a:p>
+          <a:p>
+            <a:pPr marL="285750" indent="-285750" algn="just">
+              <a:lnSpc>
+                <a:spcPct val="107000"/>
+              </a:lnSpc>
+              <a:spcAft>
+                <a:spcPts val="800"/>
+              </a:spcAft>
+              <a:buFont typeface="Arial" panose="020B0604020202020204" pitchFamily="34" charset="0"/>
+              <a:buChar char="•"/>
+            </a:pPr>
+            <a:r>
+              <a:rPr lang="es-PE" sz="1800" kern="100" dirty="0">
+                <a:solidFill>
+                  <a:srgbClr val="0070C0"/>
+                </a:solidFill>
+                <a:effectLst/>
+                <a:ea typeface="Calibri" panose="020F0502020204030204" pitchFamily="34" charset="0"/>
+                <a:cs typeface="Times New Roman" panose="02020603050405020304" pitchFamily="18" charset="0"/>
+              </a:rPr>
+              <a:t>Pruebas de usabilidad y encuestas de satisfacción muestran una respuesta positiva por parte de los usuarios.</a:t>
+            </a:r>
+          </a:p>
+          <a:p>
+            <a:pPr algn="just">
+              <a:lnSpc>
+                <a:spcPct val="107000"/>
+              </a:lnSpc>
+              <a:spcAft>
+                <a:spcPts val="800"/>
+              </a:spcAft>
+            </a:pPr>
+            <a:r>
+              <a:rPr lang="es-PE" sz="1800" kern="100" dirty="0">
+                <a:solidFill>
+                  <a:srgbClr val="0070C0"/>
+                </a:solidFill>
+                <a:effectLst/>
+                <a:latin typeface="Calibri" panose="020F0502020204030204" pitchFamily="34" charset="0"/>
+                <a:ea typeface="Calibri" panose="020F0502020204030204" pitchFamily="34" charset="0"/>
+                <a:cs typeface="Times New Roman" panose="02020603050405020304" pitchFamily="18" charset="0"/>
+              </a:rPr>
+              <a:t> </a:t>
+            </a:r>
+          </a:p>
+          <a:p>
+            <a:pPr algn="just">
+              <a:lnSpc>
+                <a:spcPct val="107000"/>
+              </a:lnSpc>
+              <a:spcAft>
+                <a:spcPts val="800"/>
+              </a:spcAft>
+            </a:pPr>
+            <a:r>
+              <a:rPr lang="es-PE" sz="2400" u="sng" kern="100" dirty="0">
+                <a:solidFill>
+                  <a:srgbClr val="0070C0"/>
+                </a:solidFill>
+                <a:effectLst/>
+                <a:ea typeface="Calibri" panose="020F0502020204030204" pitchFamily="34" charset="0"/>
+                <a:cs typeface="Times New Roman" panose="02020603050405020304" pitchFamily="18" charset="0"/>
+              </a:rPr>
+              <a:t>Impacto del Proyecto:</a:t>
+            </a:r>
+          </a:p>
+          <a:p>
+            <a:pPr marL="285750" indent="-285750" algn="just">
+              <a:lnSpc>
+                <a:spcPct val="107000"/>
+              </a:lnSpc>
+              <a:spcAft>
+                <a:spcPts val="800"/>
+              </a:spcAft>
+              <a:buFont typeface="Arial" panose="020B0604020202020204" pitchFamily="34" charset="0"/>
+              <a:buChar char="•"/>
+            </a:pPr>
+            <a:r>
+              <a:rPr lang="es-PE" sz="1800" kern="100" dirty="0">
+                <a:solidFill>
+                  <a:srgbClr val="0070C0"/>
+                </a:solidFill>
+                <a:effectLst/>
+                <a:ea typeface="Calibri" panose="020F0502020204030204" pitchFamily="34" charset="0"/>
+                <a:cs typeface="Times New Roman" panose="02020603050405020304" pitchFamily="18" charset="0"/>
+              </a:rPr>
+              <a:t>El Carrito sea más accesible y fácil de usar mejorará la percepción que tienen los clientes actuales sobre la tienda y atraerá a nuevos clientes.</a:t>
+            </a:r>
+          </a:p>
+          <a:p>
+            <a:pPr marL="285750" indent="-285750" algn="just">
+              <a:lnSpc>
+                <a:spcPct val="107000"/>
+              </a:lnSpc>
+              <a:spcAft>
+                <a:spcPts val="800"/>
+              </a:spcAft>
+              <a:buFont typeface="Arial" panose="020B0604020202020204" pitchFamily="34" charset="0"/>
+              <a:buChar char="•"/>
+            </a:pPr>
+            <a:r>
+              <a:rPr lang="es-PE" sz="1800" kern="100" dirty="0">
+                <a:solidFill>
+                  <a:srgbClr val="0070C0"/>
+                </a:solidFill>
+                <a:effectLst/>
+                <a:ea typeface="Calibri" panose="020F0502020204030204" pitchFamily="34" charset="0"/>
+                <a:cs typeface="Times New Roman" panose="02020603050405020304" pitchFamily="18" charset="0"/>
+              </a:rPr>
+              <a:t>Con una buena experiencia de usuario, se espera que más clientes se conviertan en compradores recurrentes.</a:t>
+            </a:r>
+          </a:p>
+        </p:txBody>
+      </p:sp>
+    </p:spTree>
+    <p:extLst>
+      <p:ext uri="{BB962C8B-B14F-4D97-AF65-F5344CB8AC3E}">
+        <p14:creationId xmlns:p14="http://schemas.microsoft.com/office/powerpoint/2010/main" val="3503654964"/>
+      </p:ext>
+    </p:extLst>
+  </p:cSld>
+  <p:clrMapOvr>
+    <a:masterClrMapping/>
+  </p:clrMapOvr>
+</p:sld>
+</file>
+
 <file path=ppt/slides/slide2.xml><?xml version="1.0" encoding="utf-8"?>
 <p:sld xmlns:a="http://schemas.openxmlformats.org/drawingml/2006/main" xmlns:r="http://schemas.openxmlformats.org/officeDocument/2006/relationships" xmlns:p="http://schemas.openxmlformats.org/presentationml/2006/main">
   <p:cSld>
@@ -5718,10 +6372,10 @@
       </p:sp>
       <p:pic>
         <p:nvPicPr>
-          <p:cNvPr id="3" name="Picture 2">
-            <a:extLst>
-              <a:ext uri="{FF2B5EF4-FFF2-40B4-BE49-F238E27FC236}">
-                <a16:creationId xmlns:a16="http://schemas.microsoft.com/office/drawing/2014/main" id="{3951D8C6-3398-F0B8-7DA3-AB4C182344A3}"/>
+          <p:cNvPr id="1026" name="Picture 2">
+            <a:extLst>
+              <a:ext uri="{FF2B5EF4-FFF2-40B4-BE49-F238E27FC236}">
+                <a16:creationId xmlns:a16="http://schemas.microsoft.com/office/drawing/2014/main" id="{8BBB97E8-BF99-95FF-ACEB-D90E59AD1306}"/>
               </a:ext>
             </a:extLst>
           </p:cNvPr>
@@ -5730,7 +6384,7 @@
           </p:cNvPicPr>
           <p:nvPr/>
         </p:nvPicPr>
-        <p:blipFill rotWithShape="1">
+        <p:blipFill>
           <a:blip r:embed="rId5">
             <a:extLst>
               <a:ext uri="{28A0092B-C50C-407E-A947-70E740481C1C}">
@@ -5738,13 +6392,15 @@
               </a:ext>
             </a:extLst>
           </a:blip>
-          <a:srcRect l="-1" t="3730" r="201" b="5076"/>
-          <a:stretch/>
+          <a:srcRect/>
+          <a:stretch>
+            <a:fillRect/>
+          </a:stretch>
         </p:blipFill>
         <p:spPr bwMode="auto">
           <a:xfrm>
-            <a:off x="129073" y="685800"/>
-            <a:ext cx="11933853" cy="6092889"/>
+            <a:off x="130630" y="690241"/>
+            <a:ext cx="11971630" cy="6073710"/>
           </a:xfrm>
           <a:prstGeom prst="rect">
             <a:avLst/>
@@ -5892,10 +6548,10 @@
       </p:pic>
       <p:pic>
         <p:nvPicPr>
-          <p:cNvPr id="4" name="Picture 4">
-            <a:extLst>
-              <a:ext uri="{FF2B5EF4-FFF2-40B4-BE49-F238E27FC236}">
-                <a16:creationId xmlns:a16="http://schemas.microsoft.com/office/drawing/2014/main" id="{E3BEF7E4-6117-AC9C-3A8A-1E494CDDE3C7}"/>
+          <p:cNvPr id="2050" name="Picture 2">
+            <a:extLst>
+              <a:ext uri="{FF2B5EF4-FFF2-40B4-BE49-F238E27FC236}">
+                <a16:creationId xmlns:a16="http://schemas.microsoft.com/office/drawing/2014/main" id="{633FAE0E-6633-07B0-921B-22D4D9C2666B}"/>
               </a:ext>
             </a:extLst>
           </p:cNvPr>
@@ -5904,7 +6560,7 @@
           </p:cNvPicPr>
           <p:nvPr/>
         </p:nvPicPr>
-        <p:blipFill rotWithShape="1">
+        <p:blipFill>
           <a:blip r:embed="rId5">
             <a:extLst>
               <a:ext uri="{28A0092B-C50C-407E-A947-70E740481C1C}">
@@ -5912,13 +6568,15 @@
               </a:ext>
             </a:extLst>
           </a:blip>
-          <a:srcRect t="3809" b="3946"/>
-          <a:stretch/>
+          <a:srcRect/>
+          <a:stretch>
+            <a:fillRect/>
+          </a:stretch>
         </p:blipFill>
         <p:spPr bwMode="auto">
           <a:xfrm>
-            <a:off x="202746" y="666750"/>
-            <a:ext cx="11855903" cy="6072246"/>
+            <a:off x="202746" y="718458"/>
+            <a:ext cx="11786508" cy="5941190"/>
           </a:xfrm>
           <a:prstGeom prst="rect">
             <a:avLst/>
@@ -5985,7 +6643,7 @@
           <p:nvPr/>
         </p:nvPicPr>
         <p:blipFill>
-          <a:blip r:embed="rId3">
+          <a:blip r:embed="rId2">
             <a:extLst>
               <a:ext uri="{28A0092B-C50C-407E-A947-70E740481C1C}">
                 <a14:useLocalDpi xmlns:a14="http://schemas.microsoft.com/office/drawing/2010/main" val="0"/>
@@ -6021,11 +6679,11 @@
           <p:nvPr/>
         </p:nvPicPr>
         <p:blipFill>
-          <a:blip r:embed="rId4">
+          <a:blip r:embed="rId3">
             <a:extLst>
               <a:ext uri="{BEBA8EAE-BF5A-486C-A8C5-ECC9F3942E4B}">
                 <a14:imgProps xmlns:a14="http://schemas.microsoft.com/office/drawing/2010/main">
-                  <a14:imgLayer r:embed="rId5">
+                  <a14:imgLayer r:embed="rId4">
                     <a14:imgEffect>
                       <a14:backgroundRemoval t="0" b="99556" l="0" r="100000">
                         <a14:foregroundMark x1="12000" y1="65333" x2="12000" y2="65333"/>
@@ -6056,203 +6714,65 @@
         </p:blipFill>
         <p:spPr>
           <a:xfrm>
-            <a:off x="10668831" y="7188"/>
-            <a:ext cx="1401869" cy="1401869"/>
+            <a:off x="11065972" y="-83751"/>
+            <a:ext cx="923282" cy="923282"/>
           </a:xfrm>
           <a:prstGeom prst="rect">
             <a:avLst/>
           </a:prstGeom>
         </p:spPr>
       </p:pic>
-      <p:sp>
-        <p:nvSpPr>
-          <p:cNvPr id="2" name="CuadroTexto 1">
-            <a:extLst>
-              <a:ext uri="{FF2B5EF4-FFF2-40B4-BE49-F238E27FC236}">
-                <a16:creationId xmlns:a16="http://schemas.microsoft.com/office/drawing/2014/main" id="{385F9F9D-A032-EAB6-8C90-0A68743F45C3}"/>
-              </a:ext>
-            </a:extLst>
-          </p:cNvPr>
-          <p:cNvSpPr txBox="1"/>
+      <p:pic>
+        <p:nvPicPr>
+          <p:cNvPr id="3074" name="Picture 2">
+            <a:extLst>
+              <a:ext uri="{FF2B5EF4-FFF2-40B4-BE49-F238E27FC236}">
+                <a16:creationId xmlns:a16="http://schemas.microsoft.com/office/drawing/2014/main" id="{3023E507-4FE9-2CA9-5EA0-307BE60ACCF5}"/>
+              </a:ext>
+            </a:extLst>
+          </p:cNvPr>
+          <p:cNvPicPr>
+            <a:picLocks noChangeAspect="1" noChangeArrowheads="1"/>
+          </p:cNvPicPr>
           <p:nvPr/>
-        </p:nvSpPr>
-        <p:spPr>
-          <a:xfrm>
-            <a:off x="1793360" y="1501004"/>
-            <a:ext cx="8605279" cy="3855992"/>
+        </p:nvPicPr>
+        <p:blipFill>
+          <a:blip r:embed="rId5">
+            <a:extLst>
+              <a:ext uri="{28A0092B-C50C-407E-A947-70E740481C1C}">
+                <a14:useLocalDpi xmlns:a14="http://schemas.microsoft.com/office/drawing/2010/main" val="0"/>
+              </a:ext>
+            </a:extLst>
+          </a:blip>
+          <a:srcRect/>
+          <a:stretch>
+            <a:fillRect/>
+          </a:stretch>
+        </p:blipFill>
+        <p:spPr bwMode="auto">
+          <a:xfrm>
+            <a:off x="228242" y="670475"/>
+            <a:ext cx="11761012" cy="6056896"/>
           </a:xfrm>
           <a:prstGeom prst="rect">
             <a:avLst/>
           </a:prstGeom>
           <a:noFill/>
-        </p:spPr>
-        <p:txBody>
-          <a:bodyPr wrap="square" rtlCol="0">
-            <a:spAutoFit/>
-          </a:bodyPr>
-          <a:lstStyle/>
-          <a:p>
-            <a:pPr algn="just">
-              <a:lnSpc>
-                <a:spcPct val="107000"/>
-              </a:lnSpc>
-              <a:spcAft>
-                <a:spcPts val="800"/>
-              </a:spcAft>
-            </a:pPr>
-            <a:r>
-              <a:rPr lang="es-PE" sz="2400" u="sng" kern="100" dirty="0">
-                <a:solidFill>
-                  <a:srgbClr val="0070C0"/>
-                </a:solidFill>
-                <a:effectLst/>
-                <a:ea typeface="Calibri" panose="020F0502020204030204" pitchFamily="34" charset="0"/>
-                <a:cs typeface="Times New Roman" panose="02020603050405020304" pitchFamily="18" charset="0"/>
-              </a:rPr>
-              <a:t>Conclusiones:</a:t>
-            </a:r>
-          </a:p>
-          <a:p>
-            <a:pPr marL="285750" indent="-285750" algn="just">
-              <a:lnSpc>
-                <a:spcPct val="107000"/>
-              </a:lnSpc>
-              <a:spcAft>
-                <a:spcPts val="800"/>
-              </a:spcAft>
-              <a:buFont typeface="Arial" panose="020B0604020202020204" pitchFamily="34" charset="0"/>
-              <a:buChar char="•"/>
-            </a:pPr>
-            <a:r>
-              <a:rPr lang="es-PE" sz="1800" kern="100" dirty="0">
-                <a:solidFill>
-                  <a:srgbClr val="0070C0"/>
-                </a:solidFill>
-                <a:effectLst/>
-                <a:ea typeface="Calibri" panose="020F0502020204030204" pitchFamily="34" charset="0"/>
-                <a:cs typeface="Times New Roman" panose="02020603050405020304" pitchFamily="18" charset="0"/>
-              </a:rPr>
-              <a:t>Proporcionar una mejor experiencia de usuario a todos los clientes.</a:t>
-            </a:r>
-          </a:p>
-          <a:p>
-            <a:pPr marL="285750" indent="-285750" algn="just">
-              <a:lnSpc>
-                <a:spcPct val="107000"/>
-              </a:lnSpc>
-              <a:spcAft>
-                <a:spcPts val="800"/>
-              </a:spcAft>
-              <a:buFont typeface="Arial" panose="020B0604020202020204" pitchFamily="34" charset="0"/>
-              <a:buChar char="•"/>
-            </a:pPr>
-            <a:r>
-              <a:rPr lang="es-PE" sz="1800" kern="100" dirty="0">
-                <a:solidFill>
-                  <a:srgbClr val="0070C0"/>
-                </a:solidFill>
-                <a:effectLst/>
-                <a:ea typeface="Calibri" panose="020F0502020204030204" pitchFamily="34" charset="0"/>
-                <a:cs typeface="Times New Roman" panose="02020603050405020304" pitchFamily="18" charset="0"/>
-              </a:rPr>
-              <a:t>Pruebas de usabilidad y encuestas de satisfacción muestran una respuesta positiva por parte de los usuarios.</a:t>
-            </a:r>
-          </a:p>
-          <a:p>
-            <a:pPr algn="just">
-              <a:lnSpc>
-                <a:spcPct val="107000"/>
-              </a:lnSpc>
-              <a:spcAft>
-                <a:spcPts val="800"/>
-              </a:spcAft>
-            </a:pPr>
-            <a:r>
-              <a:rPr lang="es-PE" sz="1800" kern="100" dirty="0">
-                <a:solidFill>
-                  <a:srgbClr val="0070C0"/>
-                </a:solidFill>
-                <a:effectLst/>
-                <a:latin typeface="Calibri" panose="020F0502020204030204" pitchFamily="34" charset="0"/>
-                <a:ea typeface="Calibri" panose="020F0502020204030204" pitchFamily="34" charset="0"/>
-                <a:cs typeface="Times New Roman" panose="02020603050405020304" pitchFamily="18" charset="0"/>
-              </a:rPr>
-              <a:t> </a:t>
-            </a:r>
-          </a:p>
-          <a:p>
-            <a:pPr algn="just">
-              <a:lnSpc>
-                <a:spcPct val="107000"/>
-              </a:lnSpc>
-              <a:spcAft>
-                <a:spcPts val="800"/>
-              </a:spcAft>
-            </a:pPr>
-            <a:r>
-              <a:rPr lang="es-PE" sz="2400" u="sng" kern="100" dirty="0">
-                <a:solidFill>
-                  <a:srgbClr val="0070C0"/>
-                </a:solidFill>
-                <a:effectLst/>
-                <a:ea typeface="Calibri" panose="020F0502020204030204" pitchFamily="34" charset="0"/>
-                <a:cs typeface="Times New Roman" panose="02020603050405020304" pitchFamily="18" charset="0"/>
-              </a:rPr>
-              <a:t>Impacto del Proyecto:</a:t>
-            </a:r>
-          </a:p>
-          <a:p>
-            <a:pPr marL="285750" indent="-285750" algn="just">
-              <a:lnSpc>
-                <a:spcPct val="107000"/>
-              </a:lnSpc>
-              <a:spcAft>
-                <a:spcPts val="800"/>
-              </a:spcAft>
-              <a:buFont typeface="Arial" panose="020B0604020202020204" pitchFamily="34" charset="0"/>
-              <a:buChar char="•"/>
-            </a:pPr>
-            <a:r>
-              <a:rPr lang="es-PE" sz="1800" kern="100" dirty="0">
-                <a:solidFill>
-                  <a:srgbClr val="0070C0"/>
-                </a:solidFill>
-                <a:effectLst/>
-                <a:ea typeface="Calibri" panose="020F0502020204030204" pitchFamily="34" charset="0"/>
-                <a:cs typeface="Times New Roman" panose="02020603050405020304" pitchFamily="18" charset="0"/>
-              </a:rPr>
-              <a:t>El Carrito sea más accesible y fácil de usar mejorará la percepción que tienen los clientes actuales sobre la tienda y atraerá a nuevos clientes.</a:t>
-            </a:r>
-          </a:p>
-          <a:p>
-            <a:pPr marL="285750" indent="-285750" algn="just">
-              <a:lnSpc>
-                <a:spcPct val="107000"/>
-              </a:lnSpc>
-              <a:spcAft>
-                <a:spcPts val="800"/>
-              </a:spcAft>
-              <a:buFont typeface="Arial" panose="020B0604020202020204" pitchFamily="34" charset="0"/>
-              <a:buChar char="•"/>
-            </a:pPr>
-            <a:r>
-              <a:rPr lang="es-PE" sz="1800" kern="100" dirty="0">
-                <a:solidFill>
-                  <a:srgbClr val="0070C0"/>
-                </a:solidFill>
-                <a:effectLst/>
-                <a:ea typeface="Calibri" panose="020F0502020204030204" pitchFamily="34" charset="0"/>
-                <a:cs typeface="Times New Roman" panose="02020603050405020304" pitchFamily="18" charset="0"/>
-              </a:rPr>
-              <a:t>Con una buena experiencia de usuario, se espera que más clientes se conviertan en compradores recurrentes.</a:t>
-            </a:r>
-          </a:p>
-        </p:txBody>
-      </p:sp>
+          <a:extLst>
+            <a:ext uri="{909E8E84-426E-40DD-AFC4-6F175D3DCCD1}">
+              <a14:hiddenFill xmlns:a14="http://schemas.microsoft.com/office/drawing/2010/main">
+                <a:solidFill>
+                  <a:srgbClr val="FFFFFF"/>
+                </a:solidFill>
+              </a14:hiddenFill>
+            </a:ext>
+          </a:extLst>
+        </p:spPr>
+      </p:pic>
     </p:spTree>
     <p:extLst>
       <p:ext uri="{BB962C8B-B14F-4D97-AF65-F5344CB8AC3E}">
-        <p14:creationId xmlns:p14="http://schemas.microsoft.com/office/powerpoint/2010/main" val="3503654964"/>
+        <p14:creationId xmlns:p14="http://schemas.microsoft.com/office/powerpoint/2010/main" val="2488183100"/>
       </p:ext>
     </p:extLst>
   </p:cSld>
